--- a/docs/images/SQL FCI.pptx
+++ b/docs/images/SQL FCI.pptx
@@ -241,7 +241,7 @@
           <a:p>
             <a:fld id="{5F225875-05B7-45BB-A1E2-9D73BEC1EB04}" type="datetimeFigureOut">
               <a:rPr lang="en-US" smtClean="0"/>
-              <a:t>3/18/2021</a:t>
+              <a:t>4/8/2021</a:t>
             </a:fld>
             <a:endParaRPr lang="en-US"/>
           </a:p>
@@ -409,7 +409,7 @@
           <a:p>
             <a:fld id="{5F225875-05B7-45BB-A1E2-9D73BEC1EB04}" type="datetimeFigureOut">
               <a:rPr lang="en-US" smtClean="0"/>
-              <a:t>3/18/2021</a:t>
+              <a:t>4/8/2021</a:t>
             </a:fld>
             <a:endParaRPr lang="en-US"/>
           </a:p>
@@ -587,7 +587,7 @@
           <a:p>
             <a:fld id="{5F225875-05B7-45BB-A1E2-9D73BEC1EB04}" type="datetimeFigureOut">
               <a:rPr lang="en-US" smtClean="0"/>
-              <a:t>3/18/2021</a:t>
+              <a:t>4/8/2021</a:t>
             </a:fld>
             <a:endParaRPr lang="en-US"/>
           </a:p>
@@ -755,7 +755,7 @@
           <a:p>
             <a:fld id="{5F225875-05B7-45BB-A1E2-9D73BEC1EB04}" type="datetimeFigureOut">
               <a:rPr lang="en-US" smtClean="0"/>
-              <a:t>3/18/2021</a:t>
+              <a:t>4/8/2021</a:t>
             </a:fld>
             <a:endParaRPr lang="en-US"/>
           </a:p>
@@ -1000,7 +1000,7 @@
           <a:p>
             <a:fld id="{5F225875-05B7-45BB-A1E2-9D73BEC1EB04}" type="datetimeFigureOut">
               <a:rPr lang="en-US" smtClean="0"/>
-              <a:t>3/18/2021</a:t>
+              <a:t>4/8/2021</a:t>
             </a:fld>
             <a:endParaRPr lang="en-US"/>
           </a:p>
@@ -1229,7 +1229,7 @@
           <a:p>
             <a:fld id="{5F225875-05B7-45BB-A1E2-9D73BEC1EB04}" type="datetimeFigureOut">
               <a:rPr lang="en-US" smtClean="0"/>
-              <a:t>3/18/2021</a:t>
+              <a:t>4/8/2021</a:t>
             </a:fld>
             <a:endParaRPr lang="en-US"/>
           </a:p>
@@ -1593,7 +1593,7 @@
           <a:p>
             <a:fld id="{5F225875-05B7-45BB-A1E2-9D73BEC1EB04}" type="datetimeFigureOut">
               <a:rPr lang="en-US" smtClean="0"/>
-              <a:t>3/18/2021</a:t>
+              <a:t>4/8/2021</a:t>
             </a:fld>
             <a:endParaRPr lang="en-US"/>
           </a:p>
@@ -1710,7 +1710,7 @@
           <a:p>
             <a:fld id="{5F225875-05B7-45BB-A1E2-9D73BEC1EB04}" type="datetimeFigureOut">
               <a:rPr lang="en-US" smtClean="0"/>
-              <a:t>3/18/2021</a:t>
+              <a:t>4/8/2021</a:t>
             </a:fld>
             <a:endParaRPr lang="en-US"/>
           </a:p>
@@ -1805,7 +1805,7 @@
           <a:p>
             <a:fld id="{5F225875-05B7-45BB-A1E2-9D73BEC1EB04}" type="datetimeFigureOut">
               <a:rPr lang="en-US" smtClean="0"/>
-              <a:t>3/18/2021</a:t>
+              <a:t>4/8/2021</a:t>
             </a:fld>
             <a:endParaRPr lang="en-US"/>
           </a:p>
@@ -2080,7 +2080,7 @@
           <a:p>
             <a:fld id="{5F225875-05B7-45BB-A1E2-9D73BEC1EB04}" type="datetimeFigureOut">
               <a:rPr lang="en-US" smtClean="0"/>
-              <a:t>3/18/2021</a:t>
+              <a:t>4/8/2021</a:t>
             </a:fld>
             <a:endParaRPr lang="en-US"/>
           </a:p>
@@ -2332,7 +2332,7 @@
           <a:p>
             <a:fld id="{5F225875-05B7-45BB-A1E2-9D73BEC1EB04}" type="datetimeFigureOut">
               <a:rPr lang="en-US" smtClean="0"/>
-              <a:t>3/18/2021</a:t>
+              <a:t>4/8/2021</a:t>
             </a:fld>
             <a:endParaRPr lang="en-US"/>
           </a:p>
@@ -2543,7 +2543,7 @@
           <a:p>
             <a:fld id="{5F225875-05B7-45BB-A1E2-9D73BEC1EB04}" type="datetimeFigureOut">
               <a:rPr lang="en-US" smtClean="0"/>
-              <a:t>3/18/2021</a:t>
+              <a:t>4/8/2021</a:t>
             </a:fld>
             <a:endParaRPr lang="en-US"/>
           </a:p>
@@ -3006,9 +3006,9 @@
                 <a:solidFill>
                   <a:sysClr val="windowText" lastClr="000000"/>
                 </a:solidFill>
-                <a:latin typeface="Amazon Ember" panose="020B0603020204020204" pitchFamily="34" charset="0"/>
+                <a:latin typeface="Arial" panose="020B0604020202020204" pitchFamily="34" charset="0"/>
                 <a:ea typeface="Amazon Ember" panose="020B0603020204020204" pitchFamily="34" charset="0"/>
-                <a:cs typeface="Amazon Ember" panose="020B0603020204020204" pitchFamily="34" charset="0"/>
+                <a:cs typeface="Arial" panose="020B0604020202020204" pitchFamily="34" charset="0"/>
               </a:rPr>
               <a:t>AWS Cloud</a:t>
             </a:r>
@@ -3033,7 +3033,7 @@
           <a:blip r:embed="rId2">
             <a:extLst>
               <a:ext uri="{96DAC541-7B7A-43D3-8B79-37D633B846F1}">
-                <asvg:svgBlip xmlns="" xmlns:asvg="http://schemas.microsoft.com/office/drawing/2016/SVG/main" r:embed="rId3"/>
+                <asvg:svgBlip xmlns:asvg="http://schemas.microsoft.com/office/drawing/2016/SVG/main" xmlns="" r:embed="rId3"/>
               </a:ext>
             </a:extLst>
           </a:blip>
@@ -3051,74 +3051,6 @@
           </a:prstGeom>
         </p:spPr>
       </p:pic>
-      <p:sp>
-        <p:nvSpPr>
-          <p:cNvPr id="7" name="Rectangle 6">
-            <a:extLst>
-              <a:ext uri="{FF2B5EF4-FFF2-40B4-BE49-F238E27FC236}">
-                <a16:creationId xmlns:a16="http://schemas.microsoft.com/office/drawing/2014/main" id="{92A0ABFB-D447-D349-9C47-3EE861DD0794}"/>
-              </a:ext>
-            </a:extLst>
-          </p:cNvPr>
-          <p:cNvSpPr/>
-          <p:nvPr/>
-        </p:nvSpPr>
-        <p:spPr>
-          <a:xfrm>
-            <a:off x="909516" y="1219200"/>
-            <a:ext cx="7167684" cy="4114800"/>
-          </a:xfrm>
-          <a:prstGeom prst="rect">
-            <a:avLst/>
-          </a:prstGeom>
-          <a:noFill/>
-          <a:ln w="12700">
-            <a:solidFill>
-              <a:schemeClr val="accent5"/>
-            </a:solidFill>
-          </a:ln>
-        </p:spPr>
-        <p:style>
-          <a:lnRef idx="2">
-            <a:schemeClr val="accent1">
-              <a:shade val="50000"/>
-            </a:schemeClr>
-          </a:lnRef>
-          <a:fillRef idx="1">
-            <a:schemeClr val="accent1"/>
-          </a:fillRef>
-          <a:effectRef idx="0">
-            <a:schemeClr val="accent1"/>
-          </a:effectRef>
-          <a:fontRef idx="minor">
-            <a:schemeClr val="lt1"/>
-          </a:fontRef>
-        </p:style>
-        <p:txBody>
-          <a:bodyPr rot="0" spcFirstLastPara="0" vertOverflow="overflow" horzOverflow="overflow" vert="horz" wrap="square" lIns="457200" tIns="91440" rIns="91440" bIns="45720" numCol="1" spcCol="0" rtlCol="0" fromWordArt="0" anchor="t" anchorCtr="0" forceAA="0" compatLnSpc="1">
-            <a:prstTxWarp prst="textNoShape">
-              <a:avLst/>
-            </a:prstTxWarp>
-            <a:noAutofit/>
-          </a:bodyPr>
-          <a:lstStyle/>
-          <a:p>
-            <a:pPr algn="l"/>
-            <a:r>
-              <a:rPr lang="en-US" sz="1200" dirty="0">
-                <a:ln w="0"/>
-                <a:solidFill>
-                  <a:schemeClr val="accent5"/>
-                </a:solidFill>
-                <a:latin typeface="Amazon Ember" panose="020B0603020204020204" pitchFamily="34" charset="0"/>
-                <a:ea typeface="Amazon Ember" panose="020B0603020204020204" pitchFamily="34" charset="0"/>
-                <a:cs typeface="Amazon Ember" panose="020B0603020204020204" pitchFamily="34" charset="0"/>
-              </a:rPr>
-              <a:t>VPC</a:t>
-            </a:r>
-          </a:p>
-        </p:txBody>
-      </p:sp>
       <p:pic>
         <p:nvPicPr>
           <p:cNvPr id="8" name="Graphic 66">
@@ -3137,7 +3069,7 @@
           <a:blip r:embed="rId4">
             <a:extLst>
               <a:ext uri="{96DAC541-7B7A-43D3-8B79-37D633B846F1}">
-                <asvg:svgBlip xmlns="" xmlns:asvg="http://schemas.microsoft.com/office/drawing/2016/SVG/main" r:embed="rId5"/>
+                <asvg:svgBlip xmlns:asvg="http://schemas.microsoft.com/office/drawing/2016/SVG/main" xmlns="" r:embed="rId5"/>
               </a:ext>
             </a:extLst>
           </a:blip>
@@ -3155,87 +3087,6 @@
           </a:prstGeom>
         </p:spPr>
       </p:pic>
-      <p:sp>
-        <p:nvSpPr>
-          <p:cNvPr id="9" name="Rectangle 8">
-            <a:extLst>
-              <a:ext uri="{FF2B5EF4-FFF2-40B4-BE49-F238E27FC236}">
-                <a16:creationId xmlns:a16="http://schemas.microsoft.com/office/drawing/2014/main" id="{E25F190B-F12E-614B-827A-566AC09E9D97}"/>
-              </a:ext>
-            </a:extLst>
-          </p:cNvPr>
-          <p:cNvSpPr/>
-          <p:nvPr/>
-        </p:nvSpPr>
-        <p:spPr>
-          <a:xfrm>
-            <a:off x="1523999" y="1600200"/>
-            <a:ext cx="2743201" cy="1447800"/>
-          </a:xfrm>
-          <a:prstGeom prst="rect">
-            <a:avLst/>
-          </a:prstGeom>
-          <a:solidFill>
-            <a:srgbClr val="1D8900">
-              <a:alpha val="9804"/>
-            </a:srgbClr>
-          </a:solidFill>
-          <a:ln w="12700">
-            <a:noFill/>
-            <a:prstDash val="dash"/>
-          </a:ln>
-        </p:spPr>
-        <p:style>
-          <a:lnRef idx="2">
-            <a:schemeClr val="accent1">
-              <a:shade val="50000"/>
-            </a:schemeClr>
-          </a:lnRef>
-          <a:fillRef idx="1">
-            <a:schemeClr val="accent1"/>
-          </a:fillRef>
-          <a:effectRef idx="0">
-            <a:schemeClr val="accent1"/>
-          </a:effectRef>
-          <a:fontRef idx="minor">
-            <a:schemeClr val="lt1"/>
-          </a:fontRef>
-        </p:style>
-        <p:txBody>
-          <a:bodyPr rot="0" spcFirstLastPara="0" vertOverflow="overflow" horzOverflow="overflow" vert="horz" wrap="square" lIns="338328" tIns="45720" rIns="91440" bIns="45720" numCol="1" spcCol="0" rtlCol="0" fromWordArt="0" anchor="t" anchorCtr="0" forceAA="0" compatLnSpc="1">
-            <a:prstTxWarp prst="textNoShape">
-              <a:avLst/>
-            </a:prstTxWarp>
-            <a:noAutofit/>
-          </a:bodyPr>
-          <a:lstStyle/>
-          <a:p>
-            <a:pPr algn="l"/>
-            <a:r>
-              <a:rPr lang="en-US" sz="1000" dirty="0">
-                <a:solidFill>
-                  <a:schemeClr val="accent5"/>
-                </a:solidFill>
-                <a:latin typeface="Amazon Ember" panose="020B0603020204020204" pitchFamily="34" charset="0"/>
-                <a:ea typeface="Amazon Ember" panose="020B0603020204020204" pitchFamily="34" charset="0"/>
-                <a:cs typeface="Amazon Ember" panose="020B0603020204020204" pitchFamily="34" charset="0"/>
-              </a:rPr>
-              <a:t>Public subnet</a:t>
-            </a:r>
-          </a:p>
-          <a:p>
-            <a:pPr algn="l"/>
-            <a:endParaRPr lang="en-US" sz="1000" dirty="0">
-              <a:solidFill>
-                <a:schemeClr val="accent5"/>
-              </a:solidFill>
-              <a:latin typeface="Amazon Ember" panose="020B0603020204020204" pitchFamily="34" charset="0"/>
-              <a:ea typeface="Amazon Ember" panose="020B0603020204020204" pitchFamily="34" charset="0"/>
-              <a:cs typeface="Amazon Ember" panose="020B0603020204020204" pitchFamily="34" charset="0"/>
-            </a:endParaRPr>
-          </a:p>
-        </p:txBody>
-      </p:sp>
       <p:pic>
         <p:nvPicPr>
           <p:cNvPr id="10" name="Graphic 10">
@@ -3254,7 +3105,7 @@
           <a:blip r:embed="rId6">
             <a:extLst>
               <a:ext uri="{96DAC541-7B7A-43D3-8B79-37D633B846F1}">
-                <asvg:svgBlip xmlns="" xmlns:asvg="http://schemas.microsoft.com/office/drawing/2016/SVG/main" r:embed="rId7"/>
+                <asvg:svgBlip xmlns:asvg="http://schemas.microsoft.com/office/drawing/2016/SVG/main" xmlns="" r:embed="rId7"/>
               </a:ext>
             </a:extLst>
           </a:blip>
@@ -3329,30 +3180,35 @@
           <a:p>
             <a:pPr algn="l"/>
             <a:r>
-              <a:rPr lang="en-US" sz="1000" dirty="0">
+              <a:rPr lang="en-US" sz="1200">
                 <a:solidFill>
                   <a:schemeClr val="accent3"/>
                 </a:solidFill>
-                <a:latin typeface="Amazon Ember" panose="020B0603020204020204" pitchFamily="34" charset="0"/>
+                <a:latin typeface="Arial" panose="020B0604020202020204" pitchFamily="34" charset="0"/>
                 <a:ea typeface="Amazon Ember" panose="020B0603020204020204" pitchFamily="34" charset="0"/>
-                <a:cs typeface="Amazon Ember" panose="020B0603020204020204" pitchFamily="34" charset="0"/>
+                <a:cs typeface="Arial" panose="020B0604020202020204" pitchFamily="34" charset="0"/>
               </a:rPr>
-              <a:t>Private subnet</a:t>
-            </a:r>
-          </a:p>
-          <a:p>
-            <a:pPr algn="l"/>
-            <a:r>
-              <a:rPr lang="en-US" sz="1000" dirty="0">
+              <a:t>Private </a:t>
+            </a:r>
+            <a:r>
+              <a:rPr lang="en-US" sz="1200" smtClean="0">
                 <a:solidFill>
                   <a:schemeClr val="accent3"/>
                 </a:solidFill>
-                <a:latin typeface="Amazon Ember" panose="020B0603020204020204" pitchFamily="34" charset="0"/>
+                <a:latin typeface="Arial" panose="020B0604020202020204" pitchFamily="34" charset="0"/>
                 <a:ea typeface="Amazon Ember" panose="020B0603020204020204" pitchFamily="34" charset="0"/>
-                <a:cs typeface="Amazon Ember" panose="020B0603020204020204" pitchFamily="34" charset="0"/>
+                <a:cs typeface="Arial" panose="020B0604020202020204" pitchFamily="34" charset="0"/>
               </a:rPr>
-              <a:t>10.0.0.0/19</a:t>
-            </a:r>
+              <a:t>subnet</a:t>
+            </a:r>
+            <a:endParaRPr lang="en-US" sz="1200" dirty="0">
+              <a:solidFill>
+                <a:schemeClr val="accent3"/>
+              </a:solidFill>
+              <a:latin typeface="Arial" panose="020B0604020202020204" pitchFamily="34" charset="0"/>
+              <a:ea typeface="Amazon Ember" panose="020B0603020204020204" pitchFamily="34" charset="0"/>
+              <a:cs typeface="Arial" panose="020B0604020202020204" pitchFamily="34" charset="0"/>
+            </a:endParaRPr>
           </a:p>
         </p:txBody>
       </p:sp>
@@ -3374,7 +3230,7 @@
           <a:blip r:embed="rId8">
             <a:extLst>
               <a:ext uri="{96DAC541-7B7A-43D3-8B79-37D633B846F1}">
-                <asvg:svgBlip xmlns="" xmlns:asvg="http://schemas.microsoft.com/office/drawing/2016/SVG/main" r:embed="rId9"/>
+                <asvg:svgBlip xmlns:asvg="http://schemas.microsoft.com/office/drawing/2016/SVG/main" xmlns="" r:embed="rId9"/>
               </a:ext>
             </a:extLst>
           </a:blip>
@@ -3446,36 +3302,36 @@
           <a:lstStyle/>
           <a:p>
             <a:pPr algn="ctr"/>
-            <a:endParaRPr lang="en-US" sz="1000" dirty="0">
+            <a:endParaRPr lang="en-US" sz="1200" dirty="0">
               <a:solidFill>
                 <a:srgbClr val="D86613"/>
               </a:solidFill>
-              <a:latin typeface="Amazon Ember" panose="020B0603020204020204" pitchFamily="34" charset="0"/>
+              <a:latin typeface="Arial" panose="020B0604020202020204" pitchFamily="34" charset="0"/>
               <a:ea typeface="Amazon Ember" panose="020B0603020204020204" pitchFamily="34" charset="0"/>
-              <a:cs typeface="Amazon Ember" panose="020B0603020204020204" pitchFamily="34" charset="0"/>
+              <a:cs typeface="Arial" panose="020B0604020202020204" pitchFamily="34" charset="0"/>
             </a:endParaRPr>
           </a:p>
           <a:p>
             <a:pPr algn="ctr"/>
-            <a:endParaRPr lang="en-US" sz="1000" dirty="0">
+            <a:endParaRPr lang="en-US" sz="1200" dirty="0">
               <a:solidFill>
                 <a:srgbClr val="D86613"/>
               </a:solidFill>
-              <a:latin typeface="Amazon Ember" panose="020B0603020204020204" pitchFamily="34" charset="0"/>
+              <a:latin typeface="Arial" panose="020B0604020202020204" pitchFamily="34" charset="0"/>
               <a:ea typeface="Amazon Ember" panose="020B0603020204020204" pitchFamily="34" charset="0"/>
-              <a:cs typeface="Amazon Ember" panose="020B0603020204020204" pitchFamily="34" charset="0"/>
+              <a:cs typeface="Arial" panose="020B0604020202020204" pitchFamily="34" charset="0"/>
             </a:endParaRPr>
           </a:p>
           <a:p>
             <a:pPr algn="ctr"/>
             <a:r>
-              <a:rPr lang="en-US" sz="1000" dirty="0">
+              <a:rPr lang="en-US" sz="1200" dirty="0">
                 <a:solidFill>
                   <a:srgbClr val="D86613"/>
                 </a:solidFill>
-                <a:latin typeface="Amazon Ember" panose="020B0603020204020204" pitchFamily="34" charset="0"/>
+                <a:latin typeface="Arial" panose="020B0604020202020204" pitchFamily="34" charset="0"/>
                 <a:ea typeface="Amazon Ember" panose="020B0603020204020204" pitchFamily="34" charset="0"/>
-                <a:cs typeface="Amazon Ember" panose="020B0603020204020204" pitchFamily="34" charset="0"/>
+                <a:cs typeface="Arial" panose="020B0604020202020204" pitchFamily="34" charset="0"/>
               </a:rPr>
               <a:t>Auto Scaling group</a:t>
             </a:r>
@@ -3500,7 +3356,7 @@
           <a:blip r:embed="rId10">
             <a:extLst>
               <a:ext uri="{96DAC541-7B7A-43D3-8B79-37D633B846F1}">
-                <asvg:svgBlip xmlns="" xmlns:asvg="http://schemas.microsoft.com/office/drawing/2016/SVG/main" r:embed="rId11"/>
+                <asvg:svgBlip xmlns:asvg="http://schemas.microsoft.com/office/drawing/2016/SVG/main" xmlns="" r:embed="rId11"/>
               </a:ext>
             </a:extLst>
           </a:blip>
@@ -3518,71 +3374,6 @@
           </a:prstGeom>
         </p:spPr>
       </p:pic>
-      <p:sp>
-        <p:nvSpPr>
-          <p:cNvPr id="23" name="Rectangle 22">
-            <a:extLst>
-              <a:ext uri="{FF2B5EF4-FFF2-40B4-BE49-F238E27FC236}">
-                <a16:creationId xmlns:a16="http://schemas.microsoft.com/office/drawing/2014/main" id="{305B98DC-5AF5-3342-A4B1-F62852BC80FE}"/>
-              </a:ext>
-            </a:extLst>
-          </p:cNvPr>
-          <p:cNvSpPr/>
-          <p:nvPr/>
-        </p:nvSpPr>
-        <p:spPr>
-          <a:xfrm>
-            <a:off x="1446724" y="932962"/>
-            <a:ext cx="2896675" cy="4248638"/>
-          </a:xfrm>
-          <a:prstGeom prst="rect">
-            <a:avLst/>
-          </a:prstGeom>
-          <a:noFill/>
-          <a:ln w="12700">
-            <a:solidFill>
-              <a:schemeClr val="accent3"/>
-            </a:solidFill>
-            <a:prstDash val="dash"/>
-          </a:ln>
-        </p:spPr>
-        <p:style>
-          <a:lnRef idx="2">
-            <a:schemeClr val="accent1">
-              <a:shade val="50000"/>
-            </a:schemeClr>
-          </a:lnRef>
-          <a:fillRef idx="1">
-            <a:schemeClr val="accent1"/>
-          </a:fillRef>
-          <a:effectRef idx="0">
-            <a:schemeClr val="accent1"/>
-          </a:effectRef>
-          <a:fontRef idx="minor">
-            <a:schemeClr val="lt1"/>
-          </a:fontRef>
-        </p:style>
-        <p:txBody>
-          <a:bodyPr rot="0" spcFirstLastPara="0" vertOverflow="overflow" horzOverflow="overflow" vert="horz" wrap="square" lIns="91440" tIns="91440" rIns="91440" bIns="45720" numCol="1" spcCol="0" rtlCol="0" fromWordArt="0" anchor="t" anchorCtr="0" forceAA="0" compatLnSpc="1">
-            <a:prstTxWarp prst="textNoShape">
-              <a:avLst/>
-            </a:prstTxWarp>
-            <a:noAutofit/>
-          </a:bodyPr>
-          <a:lstStyle/>
-          <a:p>
-            <a:pPr algn="ctr"/>
-            <a:r>
-              <a:rPr lang="en-US" sz="1200" dirty="0">
-                <a:solidFill>
-                  <a:schemeClr val="accent3"/>
-                </a:solidFill>
-              </a:rPr>
-              <a:t>Availability Zone</a:t>
-            </a:r>
-          </a:p>
-        </p:txBody>
-      </p:sp>
       <p:pic>
         <p:nvPicPr>
           <p:cNvPr id="24" name="Graphic 135">
@@ -3601,7 +3392,7 @@
           <a:blip r:embed="rId12">
             <a:extLst>
               <a:ext uri="{96DAC541-7B7A-43D3-8B79-37D633B846F1}">
-                <asvg:svgBlip xmlns="" xmlns:asvg="http://schemas.microsoft.com/office/drawing/2016/SVG/main" r:embed="rId13"/>
+                <asvg:svgBlip xmlns:asvg="http://schemas.microsoft.com/office/drawing/2016/SVG/main" xmlns="" r:embed="rId13"/>
               </a:ext>
             </a:extLst>
           </a:blip>
@@ -3634,7 +3425,7 @@
         <p:spPr>
           <a:xfrm>
             <a:off x="2748033" y="2540217"/>
-            <a:ext cx="1513305" cy="246221"/>
+            <a:ext cx="1513305" cy="276999"/>
           </a:xfrm>
           <a:prstGeom prst="rect">
             <a:avLst/>
@@ -3649,10 +3440,10 @@
           <a:p>
             <a:pPr algn="ctr"/>
             <a:r>
-              <a:rPr lang="en-US" sz="1000" dirty="0">
-                <a:latin typeface="Amazon Ember" panose="020B0603020204020204" pitchFamily="34" charset="0"/>
+              <a:rPr lang="en-US" sz="1200" dirty="0">
+                <a:latin typeface="Arial" panose="020B0604020202020204" pitchFamily="34" charset="0"/>
                 <a:ea typeface="Amazon Ember" panose="020B0603020204020204" pitchFamily="34" charset="0"/>
-                <a:cs typeface="Amazon Ember" panose="020B0603020204020204" pitchFamily="34" charset="0"/>
+                <a:cs typeface="Arial" panose="020B0604020202020204" pitchFamily="34" charset="0"/>
               </a:rPr>
               <a:t>RD Gateway</a:t>
             </a:r>
@@ -3674,7 +3465,7 @@
         <p:spPr>
           <a:xfrm>
             <a:off x="1637639" y="2542641"/>
-            <a:ext cx="1236442" cy="246221"/>
+            <a:ext cx="1236442" cy="276999"/>
           </a:xfrm>
           <a:prstGeom prst="rect">
             <a:avLst/>
@@ -3689,10 +3480,10 @@
           <a:p>
             <a:pPr algn="ctr"/>
             <a:r>
-              <a:rPr lang="en-US" sz="1000" dirty="0">
-                <a:latin typeface="Amazon Ember" panose="020B0603020204020204" pitchFamily="34" charset="0"/>
+              <a:rPr lang="en-US" sz="1200" dirty="0">
+                <a:latin typeface="Arial" panose="020B0604020202020204" pitchFamily="34" charset="0"/>
                 <a:ea typeface="Amazon Ember" panose="020B0603020204020204" pitchFamily="34" charset="0"/>
-                <a:cs typeface="Amazon Ember" panose="020B0603020204020204" pitchFamily="34" charset="0"/>
+                <a:cs typeface="Arial" panose="020B0604020202020204" pitchFamily="34" charset="0"/>
               </a:rPr>
               <a:t>NAT gateway</a:t>
             </a:r>
@@ -3717,7 +3508,7 @@
           <a:blip r:embed="rId14">
             <a:extLst>
               <a:ext uri="{96DAC541-7B7A-43D3-8B79-37D633B846F1}">
-                <asvg:svgBlip xmlns="" xmlns:asvg="http://schemas.microsoft.com/office/drawing/2016/SVG/main" r:embed="rId17"/>
+                <asvg:svgBlip xmlns:asvg="http://schemas.microsoft.com/office/drawing/2016/SVG/main" xmlns="" r:embed="rId17"/>
               </a:ext>
             </a:extLst>
           </a:blip>
@@ -3753,7 +3544,7 @@
           <a:blip r:embed="rId12">
             <a:extLst>
               <a:ext uri="{96DAC541-7B7A-43D3-8B79-37D633B846F1}">
-                <asvg:svgBlip xmlns="" xmlns:asvg="http://schemas.microsoft.com/office/drawing/2016/SVG/main" r:embed="rId13"/>
+                <asvg:svgBlip xmlns:asvg="http://schemas.microsoft.com/office/drawing/2016/SVG/main" xmlns="" r:embed="rId13"/>
               </a:ext>
             </a:extLst>
           </a:blip>
@@ -3786,7 +3577,7 @@
         <p:spPr>
           <a:xfrm>
             <a:off x="2756726" y="4636409"/>
-            <a:ext cx="1513305" cy="246221"/>
+            <a:ext cx="1513305" cy="276999"/>
           </a:xfrm>
           <a:prstGeom prst="rect">
             <a:avLst/>
@@ -3801,106 +3592,33 @@
           <a:p>
             <a:pPr algn="ctr"/>
             <a:r>
-              <a:rPr lang="en-US" sz="1000" smtClean="0">
-                <a:latin typeface="Amazon Ember" panose="020B0603020204020204" pitchFamily="34" charset="0"/>
+              <a:rPr lang="en-US" sz="1200" smtClean="0">
+                <a:latin typeface="Arial" panose="020B0604020202020204" pitchFamily="34" charset="0"/>
                 <a:ea typeface="Amazon Ember" panose="020B0603020204020204" pitchFamily="34" charset="0"/>
-                <a:cs typeface="Amazon Ember" panose="020B0603020204020204" pitchFamily="34" charset="0"/>
+                <a:cs typeface="Arial" panose="020B0604020202020204" pitchFamily="34" charset="0"/>
               </a:rPr>
-              <a:t>FCI Server </a:t>
-            </a:r>
-            <a:r>
-              <a:rPr lang="en-US" sz="1000" smtClean="0">
-                <a:latin typeface="Amazon Ember" panose="020B0603020204020204" pitchFamily="34" charset="0"/>
+              <a:t>FCI </a:t>
+            </a:r>
+            <a:r>
+              <a:rPr lang="en-US" sz="1200" smtClean="0">
+                <a:latin typeface="Arial" panose="020B0604020202020204" pitchFamily="34" charset="0"/>
                 <a:ea typeface="Amazon Ember" panose="020B0603020204020204" pitchFamily="34" charset="0"/>
-                <a:cs typeface="Amazon Ember" panose="020B0603020204020204" pitchFamily="34" charset="0"/>
+                <a:cs typeface="Arial" panose="020B0604020202020204" pitchFamily="34" charset="0"/>
+              </a:rPr>
+              <a:t>server </a:t>
+            </a:r>
+            <a:r>
+              <a:rPr lang="en-US" sz="1200" smtClean="0">
+                <a:latin typeface="Arial" panose="020B0604020202020204" pitchFamily="34" charset="0"/>
+                <a:ea typeface="Amazon Ember" panose="020B0603020204020204" pitchFamily="34" charset="0"/>
+                <a:cs typeface="Arial" panose="020B0604020202020204" pitchFamily="34" charset="0"/>
               </a:rPr>
               <a:t>1</a:t>
             </a:r>
-            <a:endParaRPr lang="en-US" sz="1000" dirty="0">
-              <a:latin typeface="Amazon Ember" panose="020B0603020204020204" pitchFamily="34" charset="0"/>
+            <a:endParaRPr lang="en-US" sz="1200" dirty="0">
+              <a:latin typeface="Arial" panose="020B0604020202020204" pitchFamily="34" charset="0"/>
               <a:ea typeface="Amazon Ember" panose="020B0603020204020204" pitchFamily="34" charset="0"/>
-              <a:cs typeface="Amazon Ember" panose="020B0603020204020204" pitchFamily="34" charset="0"/>
-            </a:endParaRPr>
-          </a:p>
-        </p:txBody>
-      </p:sp>
-      <p:sp>
-        <p:nvSpPr>
-          <p:cNvPr id="34" name="Rectangle 33">
-            <a:extLst>
-              <a:ext uri="{FF2B5EF4-FFF2-40B4-BE49-F238E27FC236}">
-                <a16:creationId xmlns:a16="http://schemas.microsoft.com/office/drawing/2014/main" id="{E25F190B-F12E-614B-827A-566AC09E9D97}"/>
-              </a:ext>
-            </a:extLst>
-          </p:cNvPr>
-          <p:cNvSpPr/>
-          <p:nvPr/>
-        </p:nvSpPr>
-        <p:spPr>
-          <a:xfrm>
-            <a:off x="5182675" y="1576754"/>
-            <a:ext cx="2743201" cy="1447800"/>
-          </a:xfrm>
-          <a:prstGeom prst="rect">
-            <a:avLst/>
-          </a:prstGeom>
-          <a:solidFill>
-            <a:srgbClr val="1D8900">
-              <a:alpha val="9804"/>
-            </a:srgbClr>
-          </a:solidFill>
-          <a:ln w="12700">
-            <a:noFill/>
-            <a:prstDash val="dash"/>
-          </a:ln>
-        </p:spPr>
-        <p:style>
-          <a:lnRef idx="2">
-            <a:schemeClr val="accent1">
-              <a:shade val="50000"/>
-            </a:schemeClr>
-          </a:lnRef>
-          <a:fillRef idx="1">
-            <a:schemeClr val="accent1"/>
-          </a:fillRef>
-          <a:effectRef idx="0">
-            <a:schemeClr val="accent1"/>
-          </a:effectRef>
-          <a:fontRef idx="minor">
-            <a:schemeClr val="lt1"/>
-          </a:fontRef>
-        </p:style>
-        <p:txBody>
-          <a:bodyPr rot="0" spcFirstLastPara="0" vertOverflow="overflow" horzOverflow="overflow" vert="horz" wrap="square" lIns="338328" tIns="45720" rIns="91440" bIns="45720" numCol="1" spcCol="0" rtlCol="0" fromWordArt="0" anchor="t" anchorCtr="0" forceAA="0" compatLnSpc="1">
-            <a:prstTxWarp prst="textNoShape">
-              <a:avLst/>
-            </a:prstTxWarp>
-            <a:noAutofit/>
-          </a:bodyPr>
-          <a:lstStyle/>
-          <a:p>
-            <a:pPr algn="l"/>
-            <a:r>
-              <a:rPr lang="en-US" sz="1000" dirty="0">
-                <a:solidFill>
-                  <a:schemeClr val="accent5"/>
-                </a:solidFill>
-                <a:latin typeface="Amazon Ember" panose="020B0603020204020204" pitchFamily="34" charset="0"/>
-                <a:ea typeface="Amazon Ember" panose="020B0603020204020204" pitchFamily="34" charset="0"/>
-                <a:cs typeface="Amazon Ember" panose="020B0603020204020204" pitchFamily="34" charset="0"/>
-              </a:rPr>
-              <a:t>Public subnet</a:t>
-            </a:r>
-          </a:p>
-          <a:p>
-            <a:pPr algn="l"/>
-            <a:endParaRPr lang="en-US" sz="1000" dirty="0">
-              <a:solidFill>
-                <a:schemeClr val="accent5"/>
-              </a:solidFill>
-              <a:latin typeface="Amazon Ember" panose="020B0603020204020204" pitchFamily="34" charset="0"/>
-              <a:ea typeface="Amazon Ember" panose="020B0603020204020204" pitchFamily="34" charset="0"/>
-              <a:cs typeface="Amazon Ember" panose="020B0603020204020204" pitchFamily="34" charset="0"/>
+              <a:cs typeface="Arial" panose="020B0604020202020204" pitchFamily="34" charset="0"/>
             </a:endParaRPr>
           </a:p>
         </p:txBody>
@@ -3923,7 +3641,7 @@
           <a:blip r:embed="rId6">
             <a:extLst>
               <a:ext uri="{96DAC541-7B7A-43D3-8B79-37D633B846F1}">
-                <asvg:svgBlip xmlns="" xmlns:asvg="http://schemas.microsoft.com/office/drawing/2016/SVG/main" r:embed="rId7"/>
+                <asvg:svgBlip xmlns:asvg="http://schemas.microsoft.com/office/drawing/2016/SVG/main" xmlns="" r:embed="rId7"/>
               </a:ext>
             </a:extLst>
           </a:blip>
@@ -3998,30 +3716,35 @@
           <a:p>
             <a:pPr algn="l"/>
             <a:r>
-              <a:rPr lang="en-US" sz="1000" dirty="0">
+              <a:rPr lang="en-US" sz="1200">
                 <a:solidFill>
                   <a:schemeClr val="accent3"/>
                 </a:solidFill>
-                <a:latin typeface="Amazon Ember" panose="020B0603020204020204" pitchFamily="34" charset="0"/>
+                <a:latin typeface="Arial" panose="020B0604020202020204" pitchFamily="34" charset="0"/>
                 <a:ea typeface="Amazon Ember" panose="020B0603020204020204" pitchFamily="34" charset="0"/>
-                <a:cs typeface="Amazon Ember" panose="020B0603020204020204" pitchFamily="34" charset="0"/>
+                <a:cs typeface="Arial" panose="020B0604020202020204" pitchFamily="34" charset="0"/>
               </a:rPr>
-              <a:t>Private subnet</a:t>
-            </a:r>
-          </a:p>
-          <a:p>
-            <a:pPr algn="l"/>
-            <a:r>
-              <a:rPr lang="en-US" sz="1000" dirty="0">
+              <a:t>Private </a:t>
+            </a:r>
+            <a:r>
+              <a:rPr lang="en-US" sz="1200" smtClean="0">
                 <a:solidFill>
                   <a:schemeClr val="accent3"/>
                 </a:solidFill>
-                <a:latin typeface="Amazon Ember" panose="020B0603020204020204" pitchFamily="34" charset="0"/>
+                <a:latin typeface="Arial" panose="020B0604020202020204" pitchFamily="34" charset="0"/>
                 <a:ea typeface="Amazon Ember" panose="020B0603020204020204" pitchFamily="34" charset="0"/>
-                <a:cs typeface="Amazon Ember" panose="020B0603020204020204" pitchFamily="34" charset="0"/>
+                <a:cs typeface="Arial" panose="020B0604020202020204" pitchFamily="34" charset="0"/>
               </a:rPr>
-              <a:t>10.0.32.0/19</a:t>
-            </a:r>
+              <a:t>subnet</a:t>
+            </a:r>
+            <a:endParaRPr lang="en-US" sz="1200" dirty="0">
+              <a:solidFill>
+                <a:schemeClr val="accent3"/>
+              </a:solidFill>
+              <a:latin typeface="Arial" panose="020B0604020202020204" pitchFamily="34" charset="0"/>
+              <a:ea typeface="Amazon Ember" panose="020B0603020204020204" pitchFamily="34" charset="0"/>
+              <a:cs typeface="Arial" panose="020B0604020202020204" pitchFamily="34" charset="0"/>
+            </a:endParaRPr>
           </a:p>
         </p:txBody>
       </p:sp>
@@ -4043,7 +3766,7 @@
           <a:blip r:embed="rId8">
             <a:extLst>
               <a:ext uri="{96DAC541-7B7A-43D3-8B79-37D633B846F1}">
-                <asvg:svgBlip xmlns="" xmlns:asvg="http://schemas.microsoft.com/office/drawing/2016/SVG/main" r:embed="rId9"/>
+                <asvg:svgBlip xmlns:asvg="http://schemas.microsoft.com/office/drawing/2016/SVG/main" xmlns="" r:embed="rId9"/>
               </a:ext>
             </a:extLst>
           </a:blip>
@@ -4061,71 +3784,6 @@
           </a:prstGeom>
         </p:spPr>
       </p:pic>
-      <p:sp>
-        <p:nvSpPr>
-          <p:cNvPr id="38" name="Rectangle 37">
-            <a:extLst>
-              <a:ext uri="{FF2B5EF4-FFF2-40B4-BE49-F238E27FC236}">
-                <a16:creationId xmlns:a16="http://schemas.microsoft.com/office/drawing/2014/main" id="{305B98DC-5AF5-3342-A4B1-F62852BC80FE}"/>
-              </a:ext>
-            </a:extLst>
-          </p:cNvPr>
-          <p:cNvSpPr/>
-          <p:nvPr/>
-        </p:nvSpPr>
-        <p:spPr>
-          <a:xfrm>
-            <a:off x="5105400" y="932962"/>
-            <a:ext cx="2896675" cy="4248638"/>
-          </a:xfrm>
-          <a:prstGeom prst="rect">
-            <a:avLst/>
-          </a:prstGeom>
-          <a:noFill/>
-          <a:ln w="12700">
-            <a:solidFill>
-              <a:schemeClr val="accent3"/>
-            </a:solidFill>
-            <a:prstDash val="dash"/>
-          </a:ln>
-        </p:spPr>
-        <p:style>
-          <a:lnRef idx="2">
-            <a:schemeClr val="accent1">
-              <a:shade val="50000"/>
-            </a:schemeClr>
-          </a:lnRef>
-          <a:fillRef idx="1">
-            <a:schemeClr val="accent1"/>
-          </a:fillRef>
-          <a:effectRef idx="0">
-            <a:schemeClr val="accent1"/>
-          </a:effectRef>
-          <a:fontRef idx="minor">
-            <a:schemeClr val="lt1"/>
-          </a:fontRef>
-        </p:style>
-        <p:txBody>
-          <a:bodyPr rot="0" spcFirstLastPara="0" vertOverflow="overflow" horzOverflow="overflow" vert="horz" wrap="square" lIns="91440" tIns="91440" rIns="91440" bIns="45720" numCol="1" spcCol="0" rtlCol="0" fromWordArt="0" anchor="t" anchorCtr="0" forceAA="0" compatLnSpc="1">
-            <a:prstTxWarp prst="textNoShape">
-              <a:avLst/>
-            </a:prstTxWarp>
-            <a:noAutofit/>
-          </a:bodyPr>
-          <a:lstStyle/>
-          <a:p>
-            <a:pPr algn="ctr"/>
-            <a:r>
-              <a:rPr lang="en-US" sz="1200" dirty="0">
-                <a:solidFill>
-                  <a:schemeClr val="accent3"/>
-                </a:solidFill>
-              </a:rPr>
-              <a:t>Availability Zone</a:t>
-            </a:r>
-          </a:p>
-        </p:txBody>
-      </p:sp>
       <p:sp>
         <p:nvSpPr>
           <p:cNvPr id="40" name="TextBox 39">
@@ -4141,7 +3799,7 @@
         <p:spPr>
           <a:xfrm>
             <a:off x="5105400" y="2516771"/>
-            <a:ext cx="1513305" cy="246221"/>
+            <a:ext cx="1513305" cy="276999"/>
           </a:xfrm>
           <a:prstGeom prst="rect">
             <a:avLst/>
@@ -4159,10 +3817,10 @@
           <a:p>
             <a:pPr algn="ctr"/>
             <a:r>
-              <a:rPr lang="en-US" sz="1000" dirty="0">
-                <a:latin typeface="Amazon Ember" panose="020B0603020204020204" pitchFamily="34" charset="0"/>
+              <a:rPr lang="en-US" sz="1200" dirty="0">
+                <a:latin typeface="Arial" panose="020B0604020202020204" pitchFamily="34" charset="0"/>
                 <a:ea typeface="Amazon Ember" panose="020B0603020204020204" pitchFamily="34" charset="0"/>
-                <a:cs typeface="Amazon Ember" panose="020B0603020204020204" pitchFamily="34" charset="0"/>
+                <a:cs typeface="Arial" panose="020B0604020202020204" pitchFamily="34" charset="0"/>
               </a:rPr>
               <a:t>RD Gateway</a:t>
             </a:r>
@@ -4184,7 +3842,7 @@
         <p:spPr>
           <a:xfrm>
             <a:off x="6629400" y="2519195"/>
-            <a:ext cx="1236442" cy="246221"/>
+            <a:ext cx="1236442" cy="276999"/>
           </a:xfrm>
           <a:prstGeom prst="rect">
             <a:avLst/>
@@ -4199,10 +3857,10 @@
           <a:p>
             <a:pPr algn="ctr"/>
             <a:r>
-              <a:rPr lang="en-US" sz="1000" dirty="0">
-                <a:latin typeface="Amazon Ember" panose="020B0603020204020204" pitchFamily="34" charset="0"/>
+              <a:rPr lang="en-US" sz="1200" dirty="0">
+                <a:latin typeface="Arial" panose="020B0604020202020204" pitchFamily="34" charset="0"/>
                 <a:ea typeface="Amazon Ember" panose="020B0603020204020204" pitchFamily="34" charset="0"/>
-                <a:cs typeface="Amazon Ember" panose="020B0603020204020204" pitchFamily="34" charset="0"/>
+                <a:cs typeface="Arial" panose="020B0604020202020204" pitchFamily="34" charset="0"/>
               </a:rPr>
               <a:t>NAT gateway</a:t>
             </a:r>
@@ -4227,7 +3885,7 @@
           <a:blip r:embed="rId14">
             <a:extLst>
               <a:ext uri="{96DAC541-7B7A-43D3-8B79-37D633B846F1}">
-                <asvg:svgBlip xmlns="" xmlns:asvg="http://schemas.microsoft.com/office/drawing/2016/SVG/main" r:embed="rId17"/>
+                <asvg:svgBlip xmlns:asvg="http://schemas.microsoft.com/office/drawing/2016/SVG/main" xmlns="" r:embed="rId17"/>
               </a:ext>
             </a:extLst>
           </a:blip>
@@ -4263,7 +3921,7 @@
           <a:blip r:embed="rId12">
             <a:extLst>
               <a:ext uri="{96DAC541-7B7A-43D3-8B79-37D633B846F1}">
-                <asvg:svgBlip xmlns="" xmlns:asvg="http://schemas.microsoft.com/office/drawing/2016/SVG/main" r:embed="rId13"/>
+                <asvg:svgBlip xmlns:asvg="http://schemas.microsoft.com/office/drawing/2016/SVG/main" xmlns="" r:embed="rId13"/>
               </a:ext>
             </a:extLst>
           </a:blip>
@@ -4296,7 +3954,7 @@
         <p:spPr>
           <a:xfrm>
             <a:off x="5192295" y="4636409"/>
-            <a:ext cx="1513305" cy="246221"/>
+            <a:ext cx="1513305" cy="276999"/>
           </a:xfrm>
           <a:prstGeom prst="rect">
             <a:avLst/>
@@ -4311,105 +3969,37 @@
           <a:p>
             <a:pPr algn="ctr"/>
             <a:r>
-              <a:rPr lang="en-US" sz="1000" smtClean="0">
-                <a:latin typeface="Amazon Ember" panose="020B0603020204020204" pitchFamily="34" charset="0"/>
+              <a:rPr lang="en-US" sz="1200" smtClean="0">
+                <a:latin typeface="Arial" panose="020B0604020202020204" pitchFamily="34" charset="0"/>
                 <a:ea typeface="Amazon Ember" panose="020B0603020204020204" pitchFamily="34" charset="0"/>
-                <a:cs typeface="Amazon Ember" panose="020B0603020204020204" pitchFamily="34" charset="0"/>
+                <a:cs typeface="Arial" panose="020B0604020202020204" pitchFamily="34" charset="0"/>
               </a:rPr>
-              <a:t>FCI Server </a:t>
-            </a:r>
-            <a:r>
-              <a:rPr lang="en-US" sz="1000" smtClean="0">
-                <a:latin typeface="Amazon Ember" panose="020B0603020204020204" pitchFamily="34" charset="0"/>
+              <a:t>FCI </a:t>
+            </a:r>
+            <a:r>
+              <a:rPr lang="en-US" sz="1200" smtClean="0">
+                <a:latin typeface="Arial" panose="020B0604020202020204" pitchFamily="34" charset="0"/>
                 <a:ea typeface="Amazon Ember" panose="020B0603020204020204" pitchFamily="34" charset="0"/>
-                <a:cs typeface="Amazon Ember" panose="020B0603020204020204" pitchFamily="34" charset="0"/>
+                <a:cs typeface="Arial" panose="020B0604020202020204" pitchFamily="34" charset="0"/>
+              </a:rPr>
+              <a:t>server </a:t>
+            </a:r>
+            <a:r>
+              <a:rPr lang="en-US" sz="1200" smtClean="0">
+                <a:latin typeface="Arial" panose="020B0604020202020204" pitchFamily="34" charset="0"/>
+                <a:ea typeface="Amazon Ember" panose="020B0603020204020204" pitchFamily="34" charset="0"/>
+                <a:cs typeface="Arial" panose="020B0604020202020204" pitchFamily="34" charset="0"/>
               </a:rPr>
               <a:t>2</a:t>
             </a:r>
-            <a:endParaRPr lang="en-US" sz="1000" dirty="0">
-              <a:latin typeface="Amazon Ember" panose="020B0603020204020204" pitchFamily="34" charset="0"/>
+            <a:endParaRPr lang="en-US" sz="1200" dirty="0">
+              <a:latin typeface="Arial" panose="020B0604020202020204" pitchFamily="34" charset="0"/>
               <a:ea typeface="Amazon Ember" panose="020B0603020204020204" pitchFamily="34" charset="0"/>
-              <a:cs typeface="Amazon Ember" panose="020B0603020204020204" pitchFamily="34" charset="0"/>
+              <a:cs typeface="Arial" panose="020B0604020202020204" pitchFamily="34" charset="0"/>
             </a:endParaRPr>
           </a:p>
         </p:txBody>
       </p:sp>
-      <p:sp>
-        <p:nvSpPr>
-          <p:cNvPr id="49" name="TextBox 48">
-            <a:extLst>
-              <a:ext uri="{FF2B5EF4-FFF2-40B4-BE49-F238E27FC236}">
-                <a16:creationId xmlns:a16="http://schemas.microsoft.com/office/drawing/2014/main" id="{6858057D-6A5F-6F4D-9085-61892FD1C93F}"/>
-              </a:ext>
-            </a:extLst>
-          </p:cNvPr>
-          <p:cNvSpPr txBox="1"/>
-          <p:nvPr/>
-        </p:nvSpPr>
-        <p:spPr>
-          <a:xfrm>
-            <a:off x="4093378" y="1379982"/>
-            <a:ext cx="1259655" cy="246221"/>
-          </a:xfrm>
-          <a:prstGeom prst="rect">
-            <a:avLst/>
-          </a:prstGeom>
-          <a:noFill/>
-        </p:spPr>
-        <p:txBody>
-          <a:bodyPr wrap="square" rtlCol="0">
-            <a:spAutoFit/>
-          </a:bodyPr>
-          <a:lstStyle/>
-          <a:p>
-            <a:pPr algn="ctr"/>
-            <a:r>
-              <a:rPr lang="en-US" sz="1000" dirty="0">
-                <a:latin typeface="Amazon Ember" panose="020B0603020204020204" pitchFamily="34" charset="0"/>
-                <a:ea typeface="Amazon Ember" panose="020B0603020204020204" pitchFamily="34" charset="0"/>
-                <a:cs typeface="Amazon Ember" panose="020B0603020204020204" pitchFamily="34" charset="0"/>
-              </a:rPr>
-              <a:t>Internet gateway</a:t>
-            </a:r>
-          </a:p>
-        </p:txBody>
-      </p:sp>
-      <p:pic>
-        <p:nvPicPr>
-          <p:cNvPr id="50" name="Graphic 36">
-            <a:extLst>
-              <a:ext uri="{FF2B5EF4-FFF2-40B4-BE49-F238E27FC236}">
-                <a16:creationId xmlns:a16="http://schemas.microsoft.com/office/drawing/2014/main" id="{C0B1BB45-DA56-DF48-9E1C-8C70E223D577}"/>
-              </a:ext>
-            </a:extLst>
-          </p:cNvPr>
-          <p:cNvPicPr>
-            <a:picLocks noChangeAspect="1"/>
-          </p:cNvPicPr>
-          <p:nvPr/>
-        </p:nvPicPr>
-        <p:blipFill>
-          <a:blip r:embed="rId18">
-            <a:extLst>
-              <a:ext uri="{96DAC541-7B7A-43D3-8B79-37D633B846F1}">
-                <asvg:svgBlip xmlns="" xmlns:asvg="http://schemas.microsoft.com/office/drawing/2016/SVG/main" r:embed="rId19"/>
-              </a:ext>
-            </a:extLst>
-          </a:blip>
-          <a:stretch>
-            <a:fillRect/>
-          </a:stretch>
-        </p:blipFill>
-        <p:spPr>
-          <a:xfrm>
-            <a:off x="4488255" y="914400"/>
-            <a:ext cx="469900" cy="469900"/>
-          </a:xfrm>
-          <a:prstGeom prst="rect">
-            <a:avLst/>
-          </a:prstGeom>
-        </p:spPr>
-      </p:pic>
       <p:pic>
         <p:nvPicPr>
           <p:cNvPr id="54" name="Graphic 43">
@@ -4425,11 +4015,11 @@
           <p:nvPr/>
         </p:nvPicPr>
         <p:blipFill>
-          <a:blip r:embed="rId20">
+          <a:blip r:embed="rId18">
             <a:extLst>
               <a:ext uri="{BEBA8EAE-BF5A-486C-A8C5-ECC9F3942E4B}">
                 <a14:imgProps xmlns:a14="http://schemas.microsoft.com/office/drawing/2010/main">
-                  <a14:imgLayer r:embed="rId21">
+                  <a14:imgLayer r:embed="rId19">
                     <a14:imgEffect>
                       <a14:artisticPhotocopy/>
                     </a14:imgEffect>
@@ -4437,7 +4027,7 @@
                 </a14:imgProps>
               </a:ext>
               <a:ext uri="{96DAC541-7B7A-43D3-8B79-37D633B846F1}">
-                <asvg:svgBlip xmlns="" xmlns:asvg="http://schemas.microsoft.com/office/drawing/2016/SVG/main" r:embed="rId32"/>
+                <asvg:svgBlip xmlns:asvg="http://schemas.microsoft.com/office/drawing/2016/SVG/main" xmlns="" r:embed="rId32"/>
               </a:ext>
             </a:extLst>
           </a:blip>
@@ -5365,6 +4955,387 @@
                 <a:cs typeface="Arial" panose="020B0604020202020204" pitchFamily="34" charset="0"/>
               </a:rPr>
               <a:t>Service</a:t>
+            </a:r>
+          </a:p>
+        </p:txBody>
+      </p:sp>
+      <p:sp>
+        <p:nvSpPr>
+          <p:cNvPr id="56" name="Rectangle 55">
+            <a:extLst>
+              <a:ext uri="{FF2B5EF4-FFF2-40B4-BE49-F238E27FC236}">
+                <a16:creationId xmlns:a16="http://schemas.microsoft.com/office/drawing/2014/main" id="{34D72B91-09F3-9A42-B66A-106F01CCE8B4}"/>
+              </a:ext>
+            </a:extLst>
+          </p:cNvPr>
+          <p:cNvSpPr/>
+          <p:nvPr/>
+        </p:nvSpPr>
+        <p:spPr>
+          <a:xfrm>
+            <a:off x="900722" y="1219200"/>
+            <a:ext cx="7176477" cy="4114800"/>
+          </a:xfrm>
+          <a:prstGeom prst="rect">
+            <a:avLst/>
+          </a:prstGeom>
+          <a:noFill/>
+          <a:ln w="12700">
+            <a:solidFill>
+              <a:srgbClr val="1E8900"/>
+            </a:solidFill>
+          </a:ln>
+        </p:spPr>
+        <p:style>
+          <a:lnRef idx="2">
+            <a:schemeClr val="accent1">
+              <a:shade val="50000"/>
+            </a:schemeClr>
+          </a:lnRef>
+          <a:fillRef idx="1">
+            <a:schemeClr val="accent1"/>
+          </a:fillRef>
+          <a:effectRef idx="0">
+            <a:schemeClr val="accent1"/>
+          </a:effectRef>
+          <a:fontRef idx="minor">
+            <a:schemeClr val="lt1"/>
+          </a:fontRef>
+        </p:style>
+        <p:txBody>
+          <a:bodyPr lIns="457200" tIns="91440"/>
+          <a:lstStyle/>
+          <a:p>
+            <a:pPr eaLnBrk="1" fontAlgn="auto" hangingPunct="1">
+              <a:spcBef>
+                <a:spcPts val="0"/>
+              </a:spcBef>
+              <a:spcAft>
+                <a:spcPts val="0"/>
+              </a:spcAft>
+              <a:defRPr/>
+            </a:pPr>
+            <a:r>
+              <a:rPr lang="en-US" sz="1200" dirty="0">
+                <a:ln w="0"/>
+                <a:solidFill>
+                  <a:srgbClr val="1E8900"/>
+                </a:solidFill>
+                <a:latin typeface="Arial" panose="020B0604020202020204" pitchFamily="34" charset="0"/>
+                <a:cs typeface="Arial" panose="020B0604020202020204" pitchFamily="34" charset="0"/>
+              </a:rPr>
+              <a:t>VPC</a:t>
+            </a:r>
+          </a:p>
+        </p:txBody>
+      </p:sp>
+      <p:sp>
+        <p:nvSpPr>
+          <p:cNvPr id="57" name="Rectangle 56">
+            <a:extLst>
+              <a:ext uri="{FF2B5EF4-FFF2-40B4-BE49-F238E27FC236}">
+                <a16:creationId xmlns:a16="http://schemas.microsoft.com/office/drawing/2014/main" id="{B1844CBB-737E-C049-891C-1F2168761D96}"/>
+              </a:ext>
+            </a:extLst>
+          </p:cNvPr>
+          <p:cNvSpPr/>
+          <p:nvPr/>
+        </p:nvSpPr>
+        <p:spPr>
+          <a:xfrm>
+            <a:off x="1521068" y="1600200"/>
+            <a:ext cx="2740270" cy="1676400"/>
+          </a:xfrm>
+          <a:prstGeom prst="rect">
+            <a:avLst/>
+          </a:prstGeom>
+          <a:solidFill>
+            <a:srgbClr val="1D8900">
+              <a:alpha val="9804"/>
+            </a:srgbClr>
+          </a:solidFill>
+          <a:ln w="12700">
+            <a:noFill/>
+            <a:prstDash val="dash"/>
+          </a:ln>
+        </p:spPr>
+        <p:style>
+          <a:lnRef idx="2">
+            <a:schemeClr val="accent1">
+              <a:shade val="50000"/>
+            </a:schemeClr>
+          </a:lnRef>
+          <a:fillRef idx="1">
+            <a:schemeClr val="accent1"/>
+          </a:fillRef>
+          <a:effectRef idx="0">
+            <a:schemeClr val="accent1"/>
+          </a:effectRef>
+          <a:fontRef idx="minor">
+            <a:schemeClr val="lt1"/>
+          </a:fontRef>
+        </p:style>
+        <p:txBody>
+          <a:bodyPr lIns="338328"/>
+          <a:lstStyle/>
+          <a:p>
+            <a:pPr eaLnBrk="1" fontAlgn="auto" hangingPunct="1">
+              <a:spcBef>
+                <a:spcPts val="0"/>
+              </a:spcBef>
+              <a:spcAft>
+                <a:spcPts val="0"/>
+              </a:spcAft>
+              <a:defRPr/>
+            </a:pPr>
+            <a:r>
+              <a:rPr lang="en-US" sz="1200" dirty="0">
+                <a:solidFill>
+                  <a:srgbClr val="1E8900"/>
+                </a:solidFill>
+                <a:latin typeface="Arial" panose="020B0604020202020204" pitchFamily="34" charset="0"/>
+                <a:cs typeface="Arial" panose="020B0604020202020204" pitchFamily="34" charset="0"/>
+              </a:rPr>
+              <a:t>Public subnet</a:t>
+            </a:r>
+          </a:p>
+        </p:txBody>
+      </p:sp>
+      <p:sp>
+        <p:nvSpPr>
+          <p:cNvPr id="58" name="Rectangle 57">
+            <a:extLst>
+              <a:ext uri="{FF2B5EF4-FFF2-40B4-BE49-F238E27FC236}">
+                <a16:creationId xmlns:a16="http://schemas.microsoft.com/office/drawing/2014/main" id="{B1844CBB-737E-C049-891C-1F2168761D96}"/>
+              </a:ext>
+            </a:extLst>
+          </p:cNvPr>
+          <p:cNvSpPr/>
+          <p:nvPr/>
+        </p:nvSpPr>
+        <p:spPr>
+          <a:xfrm>
+            <a:off x="5184530" y="1561123"/>
+            <a:ext cx="2740270" cy="1676400"/>
+          </a:xfrm>
+          <a:prstGeom prst="rect">
+            <a:avLst/>
+          </a:prstGeom>
+          <a:solidFill>
+            <a:srgbClr val="1D8900">
+              <a:alpha val="9804"/>
+            </a:srgbClr>
+          </a:solidFill>
+          <a:ln w="12700">
+            <a:noFill/>
+            <a:prstDash val="dash"/>
+          </a:ln>
+        </p:spPr>
+        <p:style>
+          <a:lnRef idx="2">
+            <a:schemeClr val="accent1">
+              <a:shade val="50000"/>
+            </a:schemeClr>
+          </a:lnRef>
+          <a:fillRef idx="1">
+            <a:schemeClr val="accent1"/>
+          </a:fillRef>
+          <a:effectRef idx="0">
+            <a:schemeClr val="accent1"/>
+          </a:effectRef>
+          <a:fontRef idx="minor">
+            <a:schemeClr val="lt1"/>
+          </a:fontRef>
+        </p:style>
+        <p:txBody>
+          <a:bodyPr lIns="338328"/>
+          <a:lstStyle/>
+          <a:p>
+            <a:pPr eaLnBrk="1" fontAlgn="auto" hangingPunct="1">
+              <a:spcBef>
+                <a:spcPts val="0"/>
+              </a:spcBef>
+              <a:spcAft>
+                <a:spcPts val="0"/>
+              </a:spcAft>
+              <a:defRPr/>
+            </a:pPr>
+            <a:r>
+              <a:rPr lang="en-US" sz="1200" dirty="0">
+                <a:solidFill>
+                  <a:srgbClr val="1E8900"/>
+                </a:solidFill>
+                <a:latin typeface="Arial" panose="020B0604020202020204" pitchFamily="34" charset="0"/>
+                <a:cs typeface="Arial" panose="020B0604020202020204" pitchFamily="34" charset="0"/>
+              </a:rPr>
+              <a:t>Public subnet</a:t>
+            </a:r>
+          </a:p>
+        </p:txBody>
+      </p:sp>
+      <p:sp>
+        <p:nvSpPr>
+          <p:cNvPr id="59" name="Rectangle 58">
+            <a:extLst>
+              <a:ext uri="{FF2B5EF4-FFF2-40B4-BE49-F238E27FC236}">
+                <a16:creationId xmlns:a16="http://schemas.microsoft.com/office/drawing/2014/main" id="{D246DAA1-0260-E449-8CA2-92FF0101149D}"/>
+              </a:ext>
+            </a:extLst>
+          </p:cNvPr>
+          <p:cNvSpPr/>
+          <p:nvPr/>
+        </p:nvSpPr>
+        <p:spPr>
+          <a:xfrm>
+            <a:off x="1447800" y="949512"/>
+            <a:ext cx="2895600" cy="4308287"/>
+          </a:xfrm>
+          <a:prstGeom prst="rect">
+            <a:avLst/>
+          </a:prstGeom>
+          <a:noFill/>
+          <a:ln w="12700">
+            <a:solidFill>
+              <a:srgbClr val="5B9CD5"/>
+            </a:solidFill>
+            <a:prstDash val="dash"/>
+          </a:ln>
+        </p:spPr>
+        <p:style>
+          <a:lnRef idx="2">
+            <a:schemeClr val="accent1">
+              <a:shade val="50000"/>
+            </a:schemeClr>
+          </a:lnRef>
+          <a:fillRef idx="1">
+            <a:schemeClr val="accent1"/>
+          </a:fillRef>
+          <a:effectRef idx="0">
+            <a:schemeClr val="accent1"/>
+          </a:effectRef>
+          <a:fontRef idx="minor">
+            <a:schemeClr val="lt1"/>
+          </a:fontRef>
+        </p:style>
+        <p:txBody>
+          <a:bodyPr tIns="91440"/>
+          <a:lstStyle/>
+          <a:p>
+            <a:pPr algn="ctr" eaLnBrk="1" fontAlgn="auto" hangingPunct="1">
+              <a:spcBef>
+                <a:spcPts val="0"/>
+              </a:spcBef>
+              <a:spcAft>
+                <a:spcPts val="0"/>
+              </a:spcAft>
+              <a:defRPr/>
+            </a:pPr>
+            <a:r>
+              <a:rPr lang="en-US" sz="1200">
+                <a:solidFill>
+                  <a:srgbClr val="5B9CD5"/>
+                </a:solidFill>
+                <a:latin typeface="Arial" panose="020B0604020202020204" pitchFamily="34" charset="0"/>
+                <a:cs typeface="Arial" panose="020B0604020202020204" pitchFamily="34" charset="0"/>
+              </a:rPr>
+              <a:t>Availability </a:t>
+            </a:r>
+            <a:r>
+              <a:rPr lang="en-US" sz="1200" smtClean="0">
+                <a:solidFill>
+                  <a:srgbClr val="5B9CD5"/>
+                </a:solidFill>
+                <a:latin typeface="Arial" panose="020B0604020202020204" pitchFamily="34" charset="0"/>
+                <a:cs typeface="Arial" panose="020B0604020202020204" pitchFamily="34" charset="0"/>
+              </a:rPr>
+              <a:t>Zone 1</a:t>
+            </a:r>
+            <a:endParaRPr lang="en-US" sz="1200" dirty="0">
+              <a:solidFill>
+                <a:srgbClr val="5B9CD5"/>
+              </a:solidFill>
+              <a:latin typeface="Arial" panose="020B0604020202020204" pitchFamily="34" charset="0"/>
+              <a:cs typeface="Arial" panose="020B0604020202020204" pitchFamily="34" charset="0"/>
+            </a:endParaRPr>
+          </a:p>
+        </p:txBody>
+      </p:sp>
+      <p:sp>
+        <p:nvSpPr>
+          <p:cNvPr id="60" name="Rectangle 59">
+            <a:extLst>
+              <a:ext uri="{FF2B5EF4-FFF2-40B4-BE49-F238E27FC236}">
+                <a16:creationId xmlns:a16="http://schemas.microsoft.com/office/drawing/2014/main" id="{D246DAA1-0260-E449-8CA2-92FF0101149D}"/>
+              </a:ext>
+            </a:extLst>
+          </p:cNvPr>
+          <p:cNvSpPr/>
+          <p:nvPr/>
+        </p:nvSpPr>
+        <p:spPr>
+          <a:xfrm>
+            <a:off x="5105400" y="949513"/>
+            <a:ext cx="2895600" cy="4308287"/>
+          </a:xfrm>
+          <a:prstGeom prst="rect">
+            <a:avLst/>
+          </a:prstGeom>
+          <a:noFill/>
+          <a:ln w="12700">
+            <a:solidFill>
+              <a:srgbClr val="5B9CD5"/>
+            </a:solidFill>
+            <a:prstDash val="dash"/>
+          </a:ln>
+        </p:spPr>
+        <p:style>
+          <a:lnRef idx="2">
+            <a:schemeClr val="accent1">
+              <a:shade val="50000"/>
+            </a:schemeClr>
+          </a:lnRef>
+          <a:fillRef idx="1">
+            <a:schemeClr val="accent1"/>
+          </a:fillRef>
+          <a:effectRef idx="0">
+            <a:schemeClr val="accent1"/>
+          </a:effectRef>
+          <a:fontRef idx="minor">
+            <a:schemeClr val="lt1"/>
+          </a:fontRef>
+        </p:style>
+        <p:txBody>
+          <a:bodyPr tIns="91440"/>
+          <a:lstStyle/>
+          <a:p>
+            <a:pPr algn="ctr" eaLnBrk="1" fontAlgn="auto" hangingPunct="1">
+              <a:spcBef>
+                <a:spcPts val="0"/>
+              </a:spcBef>
+              <a:spcAft>
+                <a:spcPts val="0"/>
+              </a:spcAft>
+              <a:defRPr/>
+            </a:pPr>
+            <a:r>
+              <a:rPr lang="en-US" sz="1200">
+                <a:solidFill>
+                  <a:srgbClr val="5B9CD5"/>
+                </a:solidFill>
+                <a:latin typeface="Arial" panose="020B0604020202020204" pitchFamily="34" charset="0"/>
+                <a:cs typeface="Arial" panose="020B0604020202020204" pitchFamily="34" charset="0"/>
+              </a:rPr>
+              <a:t>Availability </a:t>
+            </a:r>
+            <a:r>
+              <a:rPr lang="en-US" sz="1200" smtClean="0">
+                <a:solidFill>
+                  <a:srgbClr val="5B9CD5"/>
+                </a:solidFill>
+                <a:latin typeface="Arial" panose="020B0604020202020204" pitchFamily="34" charset="0"/>
+                <a:cs typeface="Arial" panose="020B0604020202020204" pitchFamily="34" charset="0"/>
+              </a:rPr>
+              <a:t>Zone 2</a:t>
             </a:r>
           </a:p>
         </p:txBody>
